--- a/Le Plateau.pptx
+++ b/Le Plateau.pptx
@@ -119,6 +119,166 @@
     </p:ext>
   </p:extLst>
 </p:presentation>
+</file>
+
+<file path=ppt/commentAuthors.xml><?xml version="1.0" encoding="utf-8"?>
+<p:cmAuthorLst xmlns:a="http://schemas.openxmlformats.org/drawingml/2006/main" xmlns:r="http://schemas.openxmlformats.org/officeDocument/2006/relationships" xmlns:p="http://schemas.openxmlformats.org/presentationml/2006/main">
+  <p:cmAuthor id="1" name="DELAVALOIRE Clément" initials="DC" lastIdx="11" clrIdx="0">
+    <p:extLst>
+      <p:ext uri="{19B8F6BF-5375-455C-9EA6-DF929625EA0E}">
+        <p15:presenceInfo xmlns:p15="http://schemas.microsoft.com/office/powerpoint/2012/main" userId="DELAVALOIRE Clément" providerId="None"/>
+      </p:ext>
+    </p:extLst>
+  </p:cmAuthor>
+</p:cmAuthorLst>
+</file>
+
+<file path=ppt/comments/comment1.xml><?xml version="1.0" encoding="utf-8"?>
+<p:cmLst xmlns:a="http://schemas.openxmlformats.org/drawingml/2006/main" xmlns:r="http://schemas.openxmlformats.org/officeDocument/2006/relationships" xmlns:p="http://schemas.openxmlformats.org/presentationml/2006/main">
+  <p:cm authorId="1" dt="2018-11-30T12:58:23.378" idx="1">
+    <p:pos x="10" y="10"/>
+    <p:text/>
+    <p:extLst>
+      <p:ext uri="{C676402C-5697-4E1C-873F-D02D1690AC5C}">
+        <p15:threadingInfo xmlns:p15="http://schemas.microsoft.com/office/powerpoint/2012/main" timeZoneBias="-60"/>
+      </p:ext>
+    </p:extLst>
+  </p:cm>
+</p:cmLst>
+</file>
+
+<file path=ppt/comments/comment2.xml><?xml version="1.0" encoding="utf-8"?>
+<p:cmLst xmlns:a="http://schemas.openxmlformats.org/drawingml/2006/main" xmlns:r="http://schemas.openxmlformats.org/officeDocument/2006/relationships" xmlns:p="http://schemas.openxmlformats.org/presentationml/2006/main">
+  <p:cm authorId="1" dt="2018-11-30T12:58:29.159" idx="2">
+    <p:pos x="10" y="10"/>
+    <p:text>Quentin</p:text>
+    <p:extLst>
+      <p:ext uri="{C676402C-5697-4E1C-873F-D02D1690AC5C}">
+        <p15:threadingInfo xmlns:p15="http://schemas.microsoft.com/office/powerpoint/2012/main" timeZoneBias="-60"/>
+      </p:ext>
+    </p:extLst>
+  </p:cm>
+</p:cmLst>
+</file>
+
+<file path=ppt/comments/comment3.xml><?xml version="1.0" encoding="utf-8"?>
+<p:cmLst xmlns:a="http://schemas.openxmlformats.org/drawingml/2006/main" xmlns:r="http://schemas.openxmlformats.org/officeDocument/2006/relationships" xmlns:p="http://schemas.openxmlformats.org/presentationml/2006/main">
+  <p:cm authorId="1" dt="2018-11-30T12:58:38.525" idx="3">
+    <p:pos x="10" y="10"/>
+    <p:text>Lucas Démo technique</p:text>
+    <p:extLst>
+      <p:ext uri="{C676402C-5697-4E1C-873F-D02D1690AC5C}">
+        <p15:threadingInfo xmlns:p15="http://schemas.microsoft.com/office/powerpoint/2012/main" timeZoneBias="-60"/>
+      </p:ext>
+    </p:extLst>
+  </p:cm>
+  <p:cm authorId="1" dt="2018-11-30T13:01:00.105" idx="6">
+    <p:pos x="10" y="146"/>
+    <p:text>Quentin Responsive Design</p:text>
+    <p:extLst>
+      <p:ext uri="{C676402C-5697-4E1C-873F-D02D1690AC5C}">
+        <p15:threadingInfo xmlns:p15="http://schemas.microsoft.com/office/powerpoint/2012/main" timeZoneBias="-60">
+          <p15:parentCm authorId="1" idx="3"/>
+        </p15:threadingInfo>
+      </p:ext>
+    </p:extLst>
+  </p:cm>
+</p:cmLst>
+</file>
+
+<file path=ppt/comments/comment4.xml><?xml version="1.0" encoding="utf-8"?>
+<p:cmLst xmlns:a="http://schemas.openxmlformats.org/drawingml/2006/main" xmlns:r="http://schemas.openxmlformats.org/officeDocument/2006/relationships" xmlns:p="http://schemas.openxmlformats.org/presentationml/2006/main">
+  <p:cm authorId="1" dt="2018-11-30T13:02:14.176" idx="8">
+    <p:pos x="10" y="10"/>
+    <p:text>Lucas</p:text>
+    <p:extLst>
+      <p:ext uri="{C676402C-5697-4E1C-873F-D02D1690AC5C}">
+        <p15:threadingInfo xmlns:p15="http://schemas.microsoft.com/office/powerpoint/2012/main" timeZoneBias="-60"/>
+      </p:ext>
+    </p:extLst>
+  </p:cm>
+</p:cmLst>
+</file>
+
+<file path=ppt/comments/comment5.xml><?xml version="1.0" encoding="utf-8"?>
+<p:cmLst xmlns:a="http://schemas.openxmlformats.org/drawingml/2006/main" xmlns:r="http://schemas.openxmlformats.org/officeDocument/2006/relationships" xmlns:p="http://schemas.openxmlformats.org/presentationml/2006/main">
+  <p:cm authorId="1" dt="2018-11-30T13:02:37.536" idx="9">
+    <p:pos x="10" y="10"/>
+    <p:text>Quentin</p:text>
+    <p:extLst>
+      <p:ext uri="{C676402C-5697-4E1C-873F-D02D1690AC5C}">
+        <p15:threadingInfo xmlns:p15="http://schemas.microsoft.com/office/powerpoint/2012/main" timeZoneBias="-60"/>
+      </p:ext>
+    </p:extLst>
+  </p:cm>
+</p:cmLst>
+</file>
+
+<file path=ppt/comments/comment6.xml><?xml version="1.0" encoding="utf-8"?>
+<p:cmLst xmlns:a="http://schemas.openxmlformats.org/drawingml/2006/main" xmlns:r="http://schemas.openxmlformats.org/officeDocument/2006/relationships" xmlns:p="http://schemas.openxmlformats.org/presentationml/2006/main">
+  <p:cm authorId="1" dt="2018-11-30T12:58:51.101" idx="4">
+    <p:pos x="10" y="10"/>
+    <p:text>Clément</p:text>
+    <p:extLst>
+      <p:ext uri="{C676402C-5697-4E1C-873F-D02D1690AC5C}">
+        <p15:threadingInfo xmlns:p15="http://schemas.microsoft.com/office/powerpoint/2012/main" timeZoneBias="-60"/>
+      </p:ext>
+    </p:extLst>
+  </p:cm>
+</p:cmLst>
+</file>
+
+<file path=ppt/comments/comment7.xml><?xml version="1.0" encoding="utf-8"?>
+<p:cmLst xmlns:a="http://schemas.openxmlformats.org/drawingml/2006/main" xmlns:r="http://schemas.openxmlformats.org/officeDocument/2006/relationships" xmlns:p="http://schemas.openxmlformats.org/presentationml/2006/main">
+  <p:cm authorId="1" dt="2018-11-30T13:02:47.685" idx="10">
+    <p:pos x="10" y="10"/>
+    <p:text>Lucas</p:text>
+    <p:extLst>
+      <p:ext uri="{C676402C-5697-4E1C-873F-D02D1690AC5C}">
+        <p15:threadingInfo xmlns:p15="http://schemas.microsoft.com/office/powerpoint/2012/main" timeZoneBias="-60"/>
+      </p:ext>
+    </p:extLst>
+  </p:cm>
+</p:cmLst>
+</file>
+
+<file path=ppt/comments/comment8.xml><?xml version="1.0" encoding="utf-8"?>
+<p:cmLst xmlns:a="http://schemas.openxmlformats.org/drawingml/2006/main" xmlns:r="http://schemas.openxmlformats.org/officeDocument/2006/relationships" xmlns:p="http://schemas.openxmlformats.org/presentationml/2006/main">
+  <p:cm authorId="1" dt="2018-11-30T12:59:05.713" idx="5">
+    <p:pos x="10" y="10"/>
+    <p:text>Clément authentification</p:text>
+    <p:extLst>
+      <p:ext uri="{C676402C-5697-4E1C-873F-D02D1690AC5C}">
+        <p15:threadingInfo xmlns:p15="http://schemas.microsoft.com/office/powerpoint/2012/main" timeZoneBias="-60"/>
+      </p:ext>
+    </p:extLst>
+  </p:cm>
+  <p:cm authorId="1" dt="2018-11-30T13:01:34.437" idx="7">
+    <p:pos x="10" y="146"/>
+    <p:text>Quentin base et avis</p:text>
+    <p:extLst>
+      <p:ext uri="{C676402C-5697-4E1C-873F-D02D1690AC5C}">
+        <p15:threadingInfo xmlns:p15="http://schemas.microsoft.com/office/powerpoint/2012/main" timeZoneBias="-60">
+          <p15:parentCm authorId="1" idx="5"/>
+        </p15:threadingInfo>
+      </p:ext>
+    </p:extLst>
+  </p:cm>
+</p:cmLst>
+</file>
+
+<file path=ppt/comments/comment9.xml><?xml version="1.0" encoding="utf-8"?>
+<p:cmLst xmlns:a="http://schemas.openxmlformats.org/drawingml/2006/main" xmlns:r="http://schemas.openxmlformats.org/officeDocument/2006/relationships" xmlns:p="http://schemas.openxmlformats.org/presentationml/2006/main">
+  <p:cm authorId="1" dt="2018-11-30T13:03:43.987" idx="11">
+    <p:pos x="10" y="10"/>
+    <p:text>Clément</p:text>
+    <p:extLst>
+      <p:ext uri="{C676402C-5697-4E1C-873F-D02D1690AC5C}">
+        <p15:threadingInfo xmlns:p15="http://schemas.microsoft.com/office/powerpoint/2012/main" timeZoneBias="-60"/>
+      </p:ext>
+    </p:extLst>
+  </p:cm>
+</p:cmLst>
 </file>
 
 <file path=ppt/diagrams/colors1.xml><?xml version="1.0" encoding="utf-8"?>
